--- a/발표/주제발표(1조).pptx
+++ b/발표/주제발표(1조).pptx
@@ -13,7 +13,10 @@
     <p:sldId id="261" r:id="rId7"/>
     <p:sldId id="262" r:id="rId8"/>
     <p:sldId id="263" r:id="rId9"/>
-    <p:sldId id="264" r:id="rId10"/>
+    <p:sldId id="266" r:id="rId10"/>
+    <p:sldId id="264" r:id="rId11"/>
+    <p:sldId id="265" r:id="rId12"/>
+    <p:sldId id="267" r:id="rId13"/>
   </p:sldIdLst>
   <p:sldSz cx="9144000" cy="6858000" type="screen4x3"/>
   <p:notesSz cx="6858000" cy="9144000"/>
@@ -3118,6 +3121,18 @@
           <a:bodyPr/>
           <a:lstStyle/>
           <a:p>
+            <a:r>
+              <a:rPr lang="ko-KR" altLang="en-US" dirty="0" smtClean="0"/>
+              <a:t>서울시 </a:t>
+            </a:r>
+            <a:r>
+              <a:rPr lang="ko-KR" altLang="en-US" dirty="0" err="1" smtClean="0"/>
+              <a:t>어린이집</a:t>
+            </a:r>
+            <a:r>
+              <a:rPr lang="ko-KR" altLang="en-US" dirty="0" smtClean="0"/>
+              <a:t> 최적입지 탐색 프로젝트</a:t>
+            </a:r>
             <a:endParaRPr lang="ko-KR" altLang="en-US" dirty="0"/>
           </a:p>
         </p:txBody>
@@ -3179,6 +3194,1732 @@
       </p:par>
     </p:tnLst>
   </p:timing>
+</p:sld>
+</file>
+
+<file path=ppt/slides/slide10.xml><?xml version="1.0" encoding="utf-8"?>
+<p:sld xmlns:a="http://schemas.openxmlformats.org/drawingml/2006/main" xmlns:r="http://schemas.openxmlformats.org/officeDocument/2006/relationships" xmlns:p="http://schemas.openxmlformats.org/presentationml/2006/main">
+  <p:cSld>
+    <p:spTree>
+      <p:nvGrpSpPr>
+        <p:cNvPr id="1" name=""/>
+        <p:cNvGrpSpPr/>
+        <p:nvPr/>
+      </p:nvGrpSpPr>
+      <p:grpSpPr>
+        <a:xfrm>
+          <a:off x="0" y="0"/>
+          <a:ext cx="0" cy="0"/>
+          <a:chOff x="0" y="0"/>
+          <a:chExt cx="0" cy="0"/>
+        </a:xfrm>
+      </p:grpSpPr>
+      <p:sp>
+        <p:nvSpPr>
+          <p:cNvPr id="2" name="제목 1"/>
+          <p:cNvSpPr>
+            <a:spLocks noGrp="1"/>
+          </p:cNvSpPr>
+          <p:nvPr>
+            <p:ph type="title"/>
+          </p:nvPr>
+        </p:nvSpPr>
+        <p:spPr/>
+        <p:txBody>
+          <a:bodyPr/>
+          <a:lstStyle/>
+          <a:p>
+            <a:r>
+              <a:rPr lang="ko-KR" altLang="en-US" dirty="0" smtClean="0"/>
+              <a:t>데이터분석</a:t>
+            </a:r>
+            <a:endParaRPr lang="ko-KR" altLang="en-US" dirty="0"/>
+          </a:p>
+        </p:txBody>
+      </p:sp>
+      <p:sp>
+        <p:nvSpPr>
+          <p:cNvPr id="4" name="텍스트 개체 틀 3"/>
+          <p:cNvSpPr>
+            <a:spLocks noGrp="1"/>
+          </p:cNvSpPr>
+          <p:nvPr>
+            <p:ph type="body" idx="1"/>
+          </p:nvPr>
+        </p:nvSpPr>
+        <p:spPr/>
+        <p:txBody>
+          <a:bodyPr/>
+          <a:lstStyle/>
+          <a:p>
+            <a:r>
+              <a:rPr lang="en-US" altLang="ko-KR" dirty="0" smtClean="0"/>
+              <a:t>Data Preprocessing</a:t>
+            </a:r>
+            <a:endParaRPr lang="ko-KR" altLang="en-US" dirty="0"/>
+          </a:p>
+        </p:txBody>
+      </p:sp>
+      <p:sp>
+        <p:nvSpPr>
+          <p:cNvPr id="6" name="텍스트 개체 틀 5"/>
+          <p:cNvSpPr>
+            <a:spLocks noGrp="1"/>
+          </p:cNvSpPr>
+          <p:nvPr>
+            <p:ph type="body" sz="quarter" idx="3"/>
+          </p:nvPr>
+        </p:nvSpPr>
+        <p:spPr/>
+        <p:txBody>
+          <a:bodyPr>
+            <a:normAutofit fontScale="92500" lnSpcReduction="20000"/>
+          </a:bodyPr>
+          <a:lstStyle/>
+          <a:p>
+            <a:r>
+              <a:rPr lang="en-US" altLang="ko-KR" dirty="0" smtClean="0"/>
+              <a:t>Natural Language Processing (NLP)</a:t>
+            </a:r>
+            <a:endParaRPr lang="ko-KR" altLang="en-US" dirty="0"/>
+          </a:p>
+        </p:txBody>
+      </p:sp>
+      <p:pic>
+        <p:nvPicPr>
+          <p:cNvPr id="1026" name="Picture 2"/>
+          <p:cNvPicPr>
+            <a:picLocks noGrp="1" noChangeAspect="1" noChangeArrowheads="1"/>
+          </p:cNvPicPr>
+          <p:nvPr>
+            <p:ph sz="half" idx="2"/>
+          </p:nvPr>
+        </p:nvPicPr>
+        <p:blipFill>
+          <a:blip r:embed="rId2">
+            <a:extLst>
+              <a:ext uri="{28A0092B-C50C-407E-A947-70E740481C1C}">
+                <a14:useLocalDpi xmlns:a14="http://schemas.microsoft.com/office/drawing/2010/main" val="0"/>
+              </a:ext>
+            </a:extLst>
+          </a:blip>
+          <a:srcRect/>
+          <a:stretch>
+            <a:fillRect/>
+          </a:stretch>
+        </p:blipFill>
+        <p:spPr bwMode="auto">
+          <a:xfrm>
+            <a:off x="457200" y="2597527"/>
+            <a:ext cx="4040188" cy="3105984"/>
+          </a:xfrm>
+          <a:prstGeom prst="rect">
+            <a:avLst/>
+          </a:prstGeom>
+          <a:noFill/>
+          <a:ln>
+            <a:noFill/>
+          </a:ln>
+          <a:extLst>
+            <a:ext uri="{909E8E84-426E-40DD-AFC4-6F175D3DCCD1}">
+              <a14:hiddenFill xmlns:a14="http://schemas.microsoft.com/office/drawing/2010/main">
+                <a:solidFill>
+                  <a:schemeClr val="accent1"/>
+                </a:solidFill>
+              </a14:hiddenFill>
+            </a:ext>
+            <a:ext uri="{91240B29-F687-4F45-9708-019B960494DF}">
+              <a14:hiddenLine xmlns:a14="http://schemas.microsoft.com/office/drawing/2010/main" w="9525">
+                <a:solidFill>
+                  <a:schemeClr val="tx1"/>
+                </a:solidFill>
+                <a:miter lim="800000"/>
+                <a:headEnd/>
+                <a:tailEnd/>
+              </a14:hiddenLine>
+            </a:ext>
+          </a:extLst>
+        </p:spPr>
+      </p:pic>
+      <p:sp>
+        <p:nvSpPr>
+          <p:cNvPr id="8" name="내용 개체 틀 3"/>
+          <p:cNvSpPr txBox="1">
+            <a:spLocks/>
+          </p:cNvSpPr>
+          <p:nvPr/>
+        </p:nvSpPr>
+        <p:spPr>
+          <a:xfrm>
+            <a:off x="467544" y="5805264"/>
+            <a:ext cx="3960440" cy="936104"/>
+          </a:xfrm>
+          <a:prstGeom prst="rect">
+            <a:avLst/>
+          </a:prstGeom>
+        </p:spPr>
+        <p:txBody>
+          <a:bodyPr vert="horz" lIns="91440" tIns="45720" rIns="91440" bIns="45720" rtlCol="0">
+            <a:normAutofit fontScale="47500" lnSpcReduction="20000"/>
+          </a:bodyPr>
+          <a:lstStyle>
+            <a:lvl1pPr marL="342900" indent="-342900" algn="l" defTabSz="914400" rtl="0" eaLnBrk="1" latinLnBrk="1" hangingPunct="1">
+              <a:spcBef>
+                <a:spcPct val="20000"/>
+              </a:spcBef>
+              <a:buFont typeface="Arial" panose="020B0604020202020204" pitchFamily="34" charset="0"/>
+              <a:buChar char="•"/>
+              <a:defRPr sz="2400" kern="1200">
+                <a:solidFill>
+                  <a:schemeClr val="tx1"/>
+                </a:solidFill>
+                <a:latin typeface="+mn-lt"/>
+                <a:ea typeface="+mn-ea"/>
+                <a:cs typeface="+mn-cs"/>
+              </a:defRPr>
+            </a:lvl1pPr>
+            <a:lvl2pPr marL="742950" indent="-285750" algn="l" defTabSz="914400" rtl="0" eaLnBrk="1" latinLnBrk="1" hangingPunct="1">
+              <a:spcBef>
+                <a:spcPct val="20000"/>
+              </a:spcBef>
+              <a:buFont typeface="Arial" panose="020B0604020202020204" pitchFamily="34" charset="0"/>
+              <a:buChar char="–"/>
+              <a:defRPr sz="2000" kern="1200">
+                <a:solidFill>
+                  <a:schemeClr val="tx1"/>
+                </a:solidFill>
+                <a:latin typeface="+mn-lt"/>
+                <a:ea typeface="+mn-ea"/>
+                <a:cs typeface="+mn-cs"/>
+              </a:defRPr>
+            </a:lvl2pPr>
+            <a:lvl3pPr marL="1143000" indent="-228600" algn="l" defTabSz="914400" rtl="0" eaLnBrk="1" latinLnBrk="1" hangingPunct="1">
+              <a:spcBef>
+                <a:spcPct val="20000"/>
+              </a:spcBef>
+              <a:buFont typeface="Arial" panose="020B0604020202020204" pitchFamily="34" charset="0"/>
+              <a:buChar char="•"/>
+              <a:defRPr sz="1800" kern="1200">
+                <a:solidFill>
+                  <a:schemeClr val="tx1"/>
+                </a:solidFill>
+                <a:latin typeface="+mn-lt"/>
+                <a:ea typeface="+mn-ea"/>
+                <a:cs typeface="+mn-cs"/>
+              </a:defRPr>
+            </a:lvl3pPr>
+            <a:lvl4pPr marL="1600200" indent="-228600" algn="l" defTabSz="914400" rtl="0" eaLnBrk="1" latinLnBrk="1" hangingPunct="1">
+              <a:spcBef>
+                <a:spcPct val="20000"/>
+              </a:spcBef>
+              <a:buFont typeface="Arial" panose="020B0604020202020204" pitchFamily="34" charset="0"/>
+              <a:buChar char="–"/>
+              <a:defRPr sz="1600" kern="1200">
+                <a:solidFill>
+                  <a:schemeClr val="tx1"/>
+                </a:solidFill>
+                <a:latin typeface="+mn-lt"/>
+                <a:ea typeface="+mn-ea"/>
+                <a:cs typeface="+mn-cs"/>
+              </a:defRPr>
+            </a:lvl4pPr>
+            <a:lvl5pPr marL="2057400" indent="-228600" algn="l" defTabSz="914400" rtl="0" eaLnBrk="1" latinLnBrk="1" hangingPunct="1">
+              <a:spcBef>
+                <a:spcPct val="20000"/>
+              </a:spcBef>
+              <a:buFont typeface="Arial" panose="020B0604020202020204" pitchFamily="34" charset="0"/>
+              <a:buChar char="»"/>
+              <a:defRPr sz="1600" kern="1200">
+                <a:solidFill>
+                  <a:schemeClr val="tx1"/>
+                </a:solidFill>
+                <a:latin typeface="+mn-lt"/>
+                <a:ea typeface="+mn-ea"/>
+                <a:cs typeface="+mn-cs"/>
+              </a:defRPr>
+            </a:lvl5pPr>
+            <a:lvl6pPr marL="2514600" indent="-228600" algn="l" defTabSz="914400" rtl="0" eaLnBrk="1" latinLnBrk="1" hangingPunct="1">
+              <a:spcBef>
+                <a:spcPct val="20000"/>
+              </a:spcBef>
+              <a:buFont typeface="Arial" panose="020B0604020202020204" pitchFamily="34" charset="0"/>
+              <a:buChar char="•"/>
+              <a:defRPr sz="1600" kern="1200">
+                <a:solidFill>
+                  <a:schemeClr val="tx1"/>
+                </a:solidFill>
+                <a:latin typeface="+mn-lt"/>
+                <a:ea typeface="+mn-ea"/>
+                <a:cs typeface="+mn-cs"/>
+              </a:defRPr>
+            </a:lvl6pPr>
+            <a:lvl7pPr marL="2971800" indent="-228600" algn="l" defTabSz="914400" rtl="0" eaLnBrk="1" latinLnBrk="1" hangingPunct="1">
+              <a:spcBef>
+                <a:spcPct val="20000"/>
+              </a:spcBef>
+              <a:buFont typeface="Arial" panose="020B0604020202020204" pitchFamily="34" charset="0"/>
+              <a:buChar char="•"/>
+              <a:defRPr sz="1600" kern="1200">
+                <a:solidFill>
+                  <a:schemeClr val="tx1"/>
+                </a:solidFill>
+                <a:latin typeface="+mn-lt"/>
+                <a:ea typeface="+mn-ea"/>
+                <a:cs typeface="+mn-cs"/>
+              </a:defRPr>
+            </a:lvl7pPr>
+            <a:lvl8pPr marL="3429000" indent="-228600" algn="l" defTabSz="914400" rtl="0" eaLnBrk="1" latinLnBrk="1" hangingPunct="1">
+              <a:spcBef>
+                <a:spcPct val="20000"/>
+              </a:spcBef>
+              <a:buFont typeface="Arial" panose="020B0604020202020204" pitchFamily="34" charset="0"/>
+              <a:buChar char="•"/>
+              <a:defRPr sz="1600" kern="1200">
+                <a:solidFill>
+                  <a:schemeClr val="tx1"/>
+                </a:solidFill>
+                <a:latin typeface="+mn-lt"/>
+                <a:ea typeface="+mn-ea"/>
+                <a:cs typeface="+mn-cs"/>
+              </a:defRPr>
+            </a:lvl8pPr>
+            <a:lvl9pPr marL="3886200" indent="-228600" algn="l" defTabSz="914400" rtl="0" eaLnBrk="1" latinLnBrk="1" hangingPunct="1">
+              <a:spcBef>
+                <a:spcPct val="20000"/>
+              </a:spcBef>
+              <a:buFont typeface="Arial" panose="020B0604020202020204" pitchFamily="34" charset="0"/>
+              <a:buChar char="•"/>
+              <a:defRPr sz="1600" kern="1200">
+                <a:solidFill>
+                  <a:schemeClr val="tx1"/>
+                </a:solidFill>
+                <a:latin typeface="+mn-lt"/>
+                <a:ea typeface="+mn-ea"/>
+                <a:cs typeface="+mn-cs"/>
+              </a:defRPr>
+            </a:lvl9pPr>
+          </a:lstStyle>
+          <a:p>
+            <a:r>
+              <a:rPr lang="ko-KR" altLang="en-US" dirty="0" smtClean="0"/>
+              <a:t>출처 </a:t>
+            </a:r>
+            <a:r>
+              <a:rPr lang="en-US" altLang="ko-KR" dirty="0" smtClean="0"/>
+              <a:t>: </a:t>
+            </a:r>
+            <a:r>
+              <a:rPr lang="en-US" altLang="ko-KR" dirty="0">
+                <a:hlinkClick r:id="rId3"/>
+              </a:rPr>
+              <a:t>https://www.semanticscholar.org/paper/Big-data-preprocessing%3A-methods-and-prospects-Garc%C3%ADa-Ram%C3%ADrez-Gallego/fa4fa3418559e97418af35c8361628a7f81b7932/figure/0</a:t>
+            </a:r>
+            <a:endParaRPr lang="ko-KR" altLang="en-US" dirty="0"/>
+          </a:p>
+        </p:txBody>
+      </p:sp>
+      <p:sp>
+        <p:nvSpPr>
+          <p:cNvPr id="9" name="내용 개체 틀 3"/>
+          <p:cNvSpPr txBox="1">
+            <a:spLocks/>
+          </p:cNvSpPr>
+          <p:nvPr/>
+        </p:nvSpPr>
+        <p:spPr>
+          <a:xfrm>
+            <a:off x="4644008" y="5805264"/>
+            <a:ext cx="4195192" cy="648072"/>
+          </a:xfrm>
+          <a:prstGeom prst="rect">
+            <a:avLst/>
+          </a:prstGeom>
+        </p:spPr>
+        <p:txBody>
+          <a:bodyPr vert="horz" lIns="91440" tIns="45720" rIns="91440" bIns="45720" rtlCol="0">
+            <a:normAutofit fontScale="55000" lnSpcReduction="20000"/>
+          </a:bodyPr>
+          <a:lstStyle>
+            <a:lvl1pPr marL="342900" indent="-342900" algn="l" defTabSz="914400" rtl="0" eaLnBrk="1" latinLnBrk="1" hangingPunct="1">
+              <a:spcBef>
+                <a:spcPct val="20000"/>
+              </a:spcBef>
+              <a:buFont typeface="Arial" panose="020B0604020202020204" pitchFamily="34" charset="0"/>
+              <a:buChar char="•"/>
+              <a:defRPr sz="2400" kern="1200">
+                <a:solidFill>
+                  <a:schemeClr val="tx1"/>
+                </a:solidFill>
+                <a:latin typeface="+mn-lt"/>
+                <a:ea typeface="+mn-ea"/>
+                <a:cs typeface="+mn-cs"/>
+              </a:defRPr>
+            </a:lvl1pPr>
+            <a:lvl2pPr marL="742950" indent="-285750" algn="l" defTabSz="914400" rtl="0" eaLnBrk="1" latinLnBrk="1" hangingPunct="1">
+              <a:spcBef>
+                <a:spcPct val="20000"/>
+              </a:spcBef>
+              <a:buFont typeface="Arial" panose="020B0604020202020204" pitchFamily="34" charset="0"/>
+              <a:buChar char="–"/>
+              <a:defRPr sz="2000" kern="1200">
+                <a:solidFill>
+                  <a:schemeClr val="tx1"/>
+                </a:solidFill>
+                <a:latin typeface="+mn-lt"/>
+                <a:ea typeface="+mn-ea"/>
+                <a:cs typeface="+mn-cs"/>
+              </a:defRPr>
+            </a:lvl2pPr>
+            <a:lvl3pPr marL="1143000" indent="-228600" algn="l" defTabSz="914400" rtl="0" eaLnBrk="1" latinLnBrk="1" hangingPunct="1">
+              <a:spcBef>
+                <a:spcPct val="20000"/>
+              </a:spcBef>
+              <a:buFont typeface="Arial" panose="020B0604020202020204" pitchFamily="34" charset="0"/>
+              <a:buChar char="•"/>
+              <a:defRPr sz="1800" kern="1200">
+                <a:solidFill>
+                  <a:schemeClr val="tx1"/>
+                </a:solidFill>
+                <a:latin typeface="+mn-lt"/>
+                <a:ea typeface="+mn-ea"/>
+                <a:cs typeface="+mn-cs"/>
+              </a:defRPr>
+            </a:lvl3pPr>
+            <a:lvl4pPr marL="1600200" indent="-228600" algn="l" defTabSz="914400" rtl="0" eaLnBrk="1" latinLnBrk="1" hangingPunct="1">
+              <a:spcBef>
+                <a:spcPct val="20000"/>
+              </a:spcBef>
+              <a:buFont typeface="Arial" panose="020B0604020202020204" pitchFamily="34" charset="0"/>
+              <a:buChar char="–"/>
+              <a:defRPr sz="1600" kern="1200">
+                <a:solidFill>
+                  <a:schemeClr val="tx1"/>
+                </a:solidFill>
+                <a:latin typeface="+mn-lt"/>
+                <a:ea typeface="+mn-ea"/>
+                <a:cs typeface="+mn-cs"/>
+              </a:defRPr>
+            </a:lvl4pPr>
+            <a:lvl5pPr marL="2057400" indent="-228600" algn="l" defTabSz="914400" rtl="0" eaLnBrk="1" latinLnBrk="1" hangingPunct="1">
+              <a:spcBef>
+                <a:spcPct val="20000"/>
+              </a:spcBef>
+              <a:buFont typeface="Arial" panose="020B0604020202020204" pitchFamily="34" charset="0"/>
+              <a:buChar char="»"/>
+              <a:defRPr sz="1600" kern="1200">
+                <a:solidFill>
+                  <a:schemeClr val="tx1"/>
+                </a:solidFill>
+                <a:latin typeface="+mn-lt"/>
+                <a:ea typeface="+mn-ea"/>
+                <a:cs typeface="+mn-cs"/>
+              </a:defRPr>
+            </a:lvl5pPr>
+            <a:lvl6pPr marL="2514600" indent="-228600" algn="l" defTabSz="914400" rtl="0" eaLnBrk="1" latinLnBrk="1" hangingPunct="1">
+              <a:spcBef>
+                <a:spcPct val="20000"/>
+              </a:spcBef>
+              <a:buFont typeface="Arial" panose="020B0604020202020204" pitchFamily="34" charset="0"/>
+              <a:buChar char="•"/>
+              <a:defRPr sz="1600" kern="1200">
+                <a:solidFill>
+                  <a:schemeClr val="tx1"/>
+                </a:solidFill>
+                <a:latin typeface="+mn-lt"/>
+                <a:ea typeface="+mn-ea"/>
+                <a:cs typeface="+mn-cs"/>
+              </a:defRPr>
+            </a:lvl6pPr>
+            <a:lvl7pPr marL="2971800" indent="-228600" algn="l" defTabSz="914400" rtl="0" eaLnBrk="1" latinLnBrk="1" hangingPunct="1">
+              <a:spcBef>
+                <a:spcPct val="20000"/>
+              </a:spcBef>
+              <a:buFont typeface="Arial" panose="020B0604020202020204" pitchFamily="34" charset="0"/>
+              <a:buChar char="•"/>
+              <a:defRPr sz="1600" kern="1200">
+                <a:solidFill>
+                  <a:schemeClr val="tx1"/>
+                </a:solidFill>
+                <a:latin typeface="+mn-lt"/>
+                <a:ea typeface="+mn-ea"/>
+                <a:cs typeface="+mn-cs"/>
+              </a:defRPr>
+            </a:lvl7pPr>
+            <a:lvl8pPr marL="3429000" indent="-228600" algn="l" defTabSz="914400" rtl="0" eaLnBrk="1" latinLnBrk="1" hangingPunct="1">
+              <a:spcBef>
+                <a:spcPct val="20000"/>
+              </a:spcBef>
+              <a:buFont typeface="Arial" panose="020B0604020202020204" pitchFamily="34" charset="0"/>
+              <a:buChar char="•"/>
+              <a:defRPr sz="1600" kern="1200">
+                <a:solidFill>
+                  <a:schemeClr val="tx1"/>
+                </a:solidFill>
+                <a:latin typeface="+mn-lt"/>
+                <a:ea typeface="+mn-ea"/>
+                <a:cs typeface="+mn-cs"/>
+              </a:defRPr>
+            </a:lvl8pPr>
+            <a:lvl9pPr marL="3886200" indent="-228600" algn="l" defTabSz="914400" rtl="0" eaLnBrk="1" latinLnBrk="1" hangingPunct="1">
+              <a:spcBef>
+                <a:spcPct val="20000"/>
+              </a:spcBef>
+              <a:buFont typeface="Arial" panose="020B0604020202020204" pitchFamily="34" charset="0"/>
+              <a:buChar char="•"/>
+              <a:defRPr sz="1600" kern="1200">
+                <a:solidFill>
+                  <a:schemeClr val="tx1"/>
+                </a:solidFill>
+                <a:latin typeface="+mn-lt"/>
+                <a:ea typeface="+mn-ea"/>
+                <a:cs typeface="+mn-cs"/>
+              </a:defRPr>
+            </a:lvl9pPr>
+          </a:lstStyle>
+          <a:p>
+            <a:r>
+              <a:rPr lang="ko-KR" altLang="en-US" dirty="0" smtClean="0"/>
+              <a:t>출처 </a:t>
+            </a:r>
+            <a:r>
+              <a:rPr lang="en-US" altLang="ko-KR" dirty="0" smtClean="0"/>
+              <a:t>: </a:t>
+            </a:r>
+            <a:r>
+              <a:rPr lang="en-US" altLang="ko-KR" dirty="0">
+                <a:hlinkClick r:id="rId4"/>
+              </a:rPr>
+              <a:t>https://deeplearninganalytics.org/natural-language-processing-machine-learning-why-deep-learning-is-perfect-for-nlp/</a:t>
+            </a:r>
+            <a:r>
+              <a:rPr lang="en-US" altLang="ko-KR" dirty="0" smtClean="0"/>
+              <a:t>  </a:t>
+            </a:r>
+            <a:endParaRPr lang="ko-KR" altLang="en-US" dirty="0"/>
+          </a:p>
+        </p:txBody>
+      </p:sp>
+      <p:pic>
+        <p:nvPicPr>
+          <p:cNvPr id="1027" name="Picture 3"/>
+          <p:cNvPicPr>
+            <a:picLocks noGrp="1" noChangeAspect="1" noChangeArrowheads="1"/>
+          </p:cNvPicPr>
+          <p:nvPr>
+            <p:ph sz="quarter" idx="4"/>
+          </p:nvPr>
+        </p:nvPicPr>
+        <p:blipFill>
+          <a:blip r:embed="rId5" cstate="print">
+            <a:extLst>
+              <a:ext uri="{28A0092B-C50C-407E-A947-70E740481C1C}">
+                <a14:useLocalDpi xmlns:a14="http://schemas.microsoft.com/office/drawing/2010/main" val="0"/>
+              </a:ext>
+            </a:extLst>
+          </a:blip>
+          <a:srcRect/>
+          <a:stretch>
+            <a:fillRect/>
+          </a:stretch>
+        </p:blipFill>
+        <p:spPr bwMode="auto">
+          <a:xfrm>
+            <a:off x="4641850" y="3072171"/>
+            <a:ext cx="4041775" cy="2109071"/>
+          </a:xfrm>
+          <a:prstGeom prst="rect">
+            <a:avLst/>
+          </a:prstGeom>
+          <a:noFill/>
+          <a:ln>
+            <a:noFill/>
+          </a:ln>
+          <a:extLst>
+            <a:ext uri="{909E8E84-426E-40DD-AFC4-6F175D3DCCD1}">
+              <a14:hiddenFill xmlns:a14="http://schemas.microsoft.com/office/drawing/2010/main">
+                <a:solidFill>
+                  <a:schemeClr val="accent1"/>
+                </a:solidFill>
+              </a14:hiddenFill>
+            </a:ext>
+            <a:ext uri="{91240B29-F687-4F45-9708-019B960494DF}">
+              <a14:hiddenLine xmlns:a14="http://schemas.microsoft.com/office/drawing/2010/main" w="9525">
+                <a:solidFill>
+                  <a:schemeClr val="tx1"/>
+                </a:solidFill>
+                <a:miter lim="800000"/>
+                <a:headEnd/>
+                <a:tailEnd/>
+              </a14:hiddenLine>
+            </a:ext>
+          </a:extLst>
+        </p:spPr>
+      </p:pic>
+    </p:spTree>
+    <p:extLst>
+      <p:ext uri="{BB962C8B-B14F-4D97-AF65-F5344CB8AC3E}">
+        <p14:creationId xmlns:p14="http://schemas.microsoft.com/office/powerpoint/2010/main" val="1621422526"/>
+      </p:ext>
+    </p:extLst>
+  </p:cSld>
+  <p:clrMapOvr>
+    <a:masterClrMapping/>
+  </p:clrMapOvr>
+  <p:timing>
+    <p:tnLst>
+      <p:par>
+        <p:cTn id="1" dur="indefinite" restart="never" nodeType="tmRoot"/>
+      </p:par>
+    </p:tnLst>
+  </p:timing>
+</p:sld>
+</file>
+
+<file path=ppt/slides/slide11.xml><?xml version="1.0" encoding="utf-8"?>
+<p:sld xmlns:a="http://schemas.openxmlformats.org/drawingml/2006/main" xmlns:r="http://schemas.openxmlformats.org/officeDocument/2006/relationships" xmlns:p="http://schemas.openxmlformats.org/presentationml/2006/main">
+  <p:cSld>
+    <p:spTree>
+      <p:nvGrpSpPr>
+        <p:cNvPr id="1" name=""/>
+        <p:cNvGrpSpPr/>
+        <p:nvPr/>
+      </p:nvGrpSpPr>
+      <p:grpSpPr>
+        <a:xfrm>
+          <a:off x="0" y="0"/>
+          <a:ext cx="0" cy="0"/>
+          <a:chOff x="0" y="0"/>
+          <a:chExt cx="0" cy="0"/>
+        </a:xfrm>
+      </p:grpSpPr>
+      <p:sp>
+        <p:nvSpPr>
+          <p:cNvPr id="2" name="제목 1"/>
+          <p:cNvSpPr>
+            <a:spLocks noGrp="1"/>
+          </p:cNvSpPr>
+          <p:nvPr>
+            <p:ph type="title"/>
+          </p:nvPr>
+        </p:nvSpPr>
+        <p:spPr/>
+        <p:txBody>
+          <a:bodyPr/>
+          <a:lstStyle/>
+          <a:p>
+            <a:r>
+              <a:rPr lang="ko-KR" altLang="en-US" dirty="0" smtClean="0"/>
+              <a:t>데이터분석</a:t>
+            </a:r>
+            <a:endParaRPr lang="ko-KR" altLang="en-US" dirty="0"/>
+          </a:p>
+        </p:txBody>
+      </p:sp>
+      <p:sp>
+        <p:nvSpPr>
+          <p:cNvPr id="3" name="텍스트 개체 틀 2"/>
+          <p:cNvSpPr>
+            <a:spLocks noGrp="1"/>
+          </p:cNvSpPr>
+          <p:nvPr>
+            <p:ph type="body" idx="1"/>
+          </p:nvPr>
+        </p:nvSpPr>
+        <p:spPr/>
+        <p:txBody>
+          <a:bodyPr/>
+          <a:lstStyle/>
+          <a:p>
+            <a:r>
+              <a:rPr lang="en-US" altLang="ko-KR" dirty="0" smtClean="0"/>
+              <a:t>Statistical Analysis</a:t>
+            </a:r>
+            <a:endParaRPr lang="ko-KR" altLang="en-US" dirty="0"/>
+          </a:p>
+        </p:txBody>
+      </p:sp>
+      <p:sp>
+        <p:nvSpPr>
+          <p:cNvPr id="5" name="텍스트 개체 틀 4"/>
+          <p:cNvSpPr>
+            <a:spLocks noGrp="1"/>
+          </p:cNvSpPr>
+          <p:nvPr>
+            <p:ph type="body" sz="quarter" idx="3"/>
+          </p:nvPr>
+        </p:nvSpPr>
+        <p:spPr/>
+        <p:txBody>
+          <a:bodyPr>
+            <a:normAutofit fontScale="92500" lnSpcReduction="20000"/>
+          </a:bodyPr>
+          <a:lstStyle/>
+          <a:p>
+            <a:r>
+              <a:rPr lang="en-US" altLang="ko-KR" dirty="0" smtClean="0"/>
+              <a:t>Machine Learning (include Deep learning)</a:t>
+            </a:r>
+            <a:endParaRPr lang="ko-KR" altLang="en-US" dirty="0"/>
+          </a:p>
+        </p:txBody>
+      </p:sp>
+      <p:sp>
+        <p:nvSpPr>
+          <p:cNvPr id="7" name="내용 개체 틀 3"/>
+          <p:cNvSpPr txBox="1">
+            <a:spLocks/>
+          </p:cNvSpPr>
+          <p:nvPr/>
+        </p:nvSpPr>
+        <p:spPr>
+          <a:xfrm>
+            <a:off x="467544" y="5445224"/>
+            <a:ext cx="3960440" cy="576064"/>
+          </a:xfrm>
+          <a:prstGeom prst="rect">
+            <a:avLst/>
+          </a:prstGeom>
+        </p:spPr>
+        <p:txBody>
+          <a:bodyPr vert="horz" lIns="91440" tIns="45720" rIns="91440" bIns="45720" rtlCol="0">
+            <a:normAutofit fontScale="55000" lnSpcReduction="20000"/>
+          </a:bodyPr>
+          <a:lstStyle>
+            <a:lvl1pPr marL="342900" indent="-342900" algn="l" defTabSz="914400" rtl="0" eaLnBrk="1" latinLnBrk="1" hangingPunct="1">
+              <a:spcBef>
+                <a:spcPct val="20000"/>
+              </a:spcBef>
+              <a:buFont typeface="Arial" panose="020B0604020202020204" pitchFamily="34" charset="0"/>
+              <a:buChar char="•"/>
+              <a:defRPr sz="2400" kern="1200">
+                <a:solidFill>
+                  <a:schemeClr val="tx1"/>
+                </a:solidFill>
+                <a:latin typeface="+mn-lt"/>
+                <a:ea typeface="+mn-ea"/>
+                <a:cs typeface="+mn-cs"/>
+              </a:defRPr>
+            </a:lvl1pPr>
+            <a:lvl2pPr marL="742950" indent="-285750" algn="l" defTabSz="914400" rtl="0" eaLnBrk="1" latinLnBrk="1" hangingPunct="1">
+              <a:spcBef>
+                <a:spcPct val="20000"/>
+              </a:spcBef>
+              <a:buFont typeface="Arial" panose="020B0604020202020204" pitchFamily="34" charset="0"/>
+              <a:buChar char="–"/>
+              <a:defRPr sz="2000" kern="1200">
+                <a:solidFill>
+                  <a:schemeClr val="tx1"/>
+                </a:solidFill>
+                <a:latin typeface="+mn-lt"/>
+                <a:ea typeface="+mn-ea"/>
+                <a:cs typeface="+mn-cs"/>
+              </a:defRPr>
+            </a:lvl2pPr>
+            <a:lvl3pPr marL="1143000" indent="-228600" algn="l" defTabSz="914400" rtl="0" eaLnBrk="1" latinLnBrk="1" hangingPunct="1">
+              <a:spcBef>
+                <a:spcPct val="20000"/>
+              </a:spcBef>
+              <a:buFont typeface="Arial" panose="020B0604020202020204" pitchFamily="34" charset="0"/>
+              <a:buChar char="•"/>
+              <a:defRPr sz="1800" kern="1200">
+                <a:solidFill>
+                  <a:schemeClr val="tx1"/>
+                </a:solidFill>
+                <a:latin typeface="+mn-lt"/>
+                <a:ea typeface="+mn-ea"/>
+                <a:cs typeface="+mn-cs"/>
+              </a:defRPr>
+            </a:lvl3pPr>
+            <a:lvl4pPr marL="1600200" indent="-228600" algn="l" defTabSz="914400" rtl="0" eaLnBrk="1" latinLnBrk="1" hangingPunct="1">
+              <a:spcBef>
+                <a:spcPct val="20000"/>
+              </a:spcBef>
+              <a:buFont typeface="Arial" panose="020B0604020202020204" pitchFamily="34" charset="0"/>
+              <a:buChar char="–"/>
+              <a:defRPr sz="1600" kern="1200">
+                <a:solidFill>
+                  <a:schemeClr val="tx1"/>
+                </a:solidFill>
+                <a:latin typeface="+mn-lt"/>
+                <a:ea typeface="+mn-ea"/>
+                <a:cs typeface="+mn-cs"/>
+              </a:defRPr>
+            </a:lvl4pPr>
+            <a:lvl5pPr marL="2057400" indent="-228600" algn="l" defTabSz="914400" rtl="0" eaLnBrk="1" latinLnBrk="1" hangingPunct="1">
+              <a:spcBef>
+                <a:spcPct val="20000"/>
+              </a:spcBef>
+              <a:buFont typeface="Arial" panose="020B0604020202020204" pitchFamily="34" charset="0"/>
+              <a:buChar char="»"/>
+              <a:defRPr sz="1600" kern="1200">
+                <a:solidFill>
+                  <a:schemeClr val="tx1"/>
+                </a:solidFill>
+                <a:latin typeface="+mn-lt"/>
+                <a:ea typeface="+mn-ea"/>
+                <a:cs typeface="+mn-cs"/>
+              </a:defRPr>
+            </a:lvl5pPr>
+            <a:lvl6pPr marL="2514600" indent="-228600" algn="l" defTabSz="914400" rtl="0" eaLnBrk="1" latinLnBrk="1" hangingPunct="1">
+              <a:spcBef>
+                <a:spcPct val="20000"/>
+              </a:spcBef>
+              <a:buFont typeface="Arial" panose="020B0604020202020204" pitchFamily="34" charset="0"/>
+              <a:buChar char="•"/>
+              <a:defRPr sz="1600" kern="1200">
+                <a:solidFill>
+                  <a:schemeClr val="tx1"/>
+                </a:solidFill>
+                <a:latin typeface="+mn-lt"/>
+                <a:ea typeface="+mn-ea"/>
+                <a:cs typeface="+mn-cs"/>
+              </a:defRPr>
+            </a:lvl6pPr>
+            <a:lvl7pPr marL="2971800" indent="-228600" algn="l" defTabSz="914400" rtl="0" eaLnBrk="1" latinLnBrk="1" hangingPunct="1">
+              <a:spcBef>
+                <a:spcPct val="20000"/>
+              </a:spcBef>
+              <a:buFont typeface="Arial" panose="020B0604020202020204" pitchFamily="34" charset="0"/>
+              <a:buChar char="•"/>
+              <a:defRPr sz="1600" kern="1200">
+                <a:solidFill>
+                  <a:schemeClr val="tx1"/>
+                </a:solidFill>
+                <a:latin typeface="+mn-lt"/>
+                <a:ea typeface="+mn-ea"/>
+                <a:cs typeface="+mn-cs"/>
+              </a:defRPr>
+            </a:lvl7pPr>
+            <a:lvl8pPr marL="3429000" indent="-228600" algn="l" defTabSz="914400" rtl="0" eaLnBrk="1" latinLnBrk="1" hangingPunct="1">
+              <a:spcBef>
+                <a:spcPct val="20000"/>
+              </a:spcBef>
+              <a:buFont typeface="Arial" panose="020B0604020202020204" pitchFamily="34" charset="0"/>
+              <a:buChar char="•"/>
+              <a:defRPr sz="1600" kern="1200">
+                <a:solidFill>
+                  <a:schemeClr val="tx1"/>
+                </a:solidFill>
+                <a:latin typeface="+mn-lt"/>
+                <a:ea typeface="+mn-ea"/>
+                <a:cs typeface="+mn-cs"/>
+              </a:defRPr>
+            </a:lvl8pPr>
+            <a:lvl9pPr marL="3886200" indent="-228600" algn="l" defTabSz="914400" rtl="0" eaLnBrk="1" latinLnBrk="1" hangingPunct="1">
+              <a:spcBef>
+                <a:spcPct val="20000"/>
+              </a:spcBef>
+              <a:buFont typeface="Arial" panose="020B0604020202020204" pitchFamily="34" charset="0"/>
+              <a:buChar char="•"/>
+              <a:defRPr sz="1600" kern="1200">
+                <a:solidFill>
+                  <a:schemeClr val="tx1"/>
+                </a:solidFill>
+                <a:latin typeface="+mn-lt"/>
+                <a:ea typeface="+mn-ea"/>
+                <a:cs typeface="+mn-cs"/>
+              </a:defRPr>
+            </a:lvl9pPr>
+          </a:lstStyle>
+          <a:p>
+            <a:r>
+              <a:rPr lang="ko-KR" altLang="en-US" dirty="0" smtClean="0"/>
+              <a:t>출처 </a:t>
+            </a:r>
+            <a:r>
+              <a:rPr lang="en-US" altLang="ko-KR" dirty="0" smtClean="0"/>
+              <a:t>: </a:t>
+            </a:r>
+            <a:r>
+              <a:rPr lang="en-US" altLang="ko-KR" dirty="0">
+                <a:hlinkClick r:id="rId2"/>
+              </a:rPr>
+              <a:t>http://www.kwikfixskills.com/kwikfixskillscom.html</a:t>
+            </a:r>
+            <a:endParaRPr lang="ko-KR" altLang="en-US" dirty="0"/>
+          </a:p>
+        </p:txBody>
+      </p:sp>
+      <p:sp>
+        <p:nvSpPr>
+          <p:cNvPr id="8" name="내용 개체 틀 3"/>
+          <p:cNvSpPr txBox="1">
+            <a:spLocks/>
+          </p:cNvSpPr>
+          <p:nvPr/>
+        </p:nvSpPr>
+        <p:spPr>
+          <a:xfrm>
+            <a:off x="4644008" y="5445224"/>
+            <a:ext cx="4032448" cy="648072"/>
+          </a:xfrm>
+          <a:prstGeom prst="rect">
+            <a:avLst/>
+          </a:prstGeom>
+        </p:spPr>
+        <p:txBody>
+          <a:bodyPr vert="horz" lIns="91440" tIns="45720" rIns="91440" bIns="45720" rtlCol="0">
+            <a:normAutofit fontScale="62500" lnSpcReduction="20000"/>
+          </a:bodyPr>
+          <a:lstStyle>
+            <a:lvl1pPr marL="342900" indent="-342900" algn="l" defTabSz="914400" rtl="0" eaLnBrk="1" latinLnBrk="1" hangingPunct="1">
+              <a:spcBef>
+                <a:spcPct val="20000"/>
+              </a:spcBef>
+              <a:buFont typeface="Arial" panose="020B0604020202020204" pitchFamily="34" charset="0"/>
+              <a:buChar char="•"/>
+              <a:defRPr sz="2400" kern="1200">
+                <a:solidFill>
+                  <a:schemeClr val="tx1"/>
+                </a:solidFill>
+                <a:latin typeface="+mn-lt"/>
+                <a:ea typeface="+mn-ea"/>
+                <a:cs typeface="+mn-cs"/>
+              </a:defRPr>
+            </a:lvl1pPr>
+            <a:lvl2pPr marL="742950" indent="-285750" algn="l" defTabSz="914400" rtl="0" eaLnBrk="1" latinLnBrk="1" hangingPunct="1">
+              <a:spcBef>
+                <a:spcPct val="20000"/>
+              </a:spcBef>
+              <a:buFont typeface="Arial" panose="020B0604020202020204" pitchFamily="34" charset="0"/>
+              <a:buChar char="–"/>
+              <a:defRPr sz="2000" kern="1200">
+                <a:solidFill>
+                  <a:schemeClr val="tx1"/>
+                </a:solidFill>
+                <a:latin typeface="+mn-lt"/>
+                <a:ea typeface="+mn-ea"/>
+                <a:cs typeface="+mn-cs"/>
+              </a:defRPr>
+            </a:lvl2pPr>
+            <a:lvl3pPr marL="1143000" indent="-228600" algn="l" defTabSz="914400" rtl="0" eaLnBrk="1" latinLnBrk="1" hangingPunct="1">
+              <a:spcBef>
+                <a:spcPct val="20000"/>
+              </a:spcBef>
+              <a:buFont typeface="Arial" panose="020B0604020202020204" pitchFamily="34" charset="0"/>
+              <a:buChar char="•"/>
+              <a:defRPr sz="1800" kern="1200">
+                <a:solidFill>
+                  <a:schemeClr val="tx1"/>
+                </a:solidFill>
+                <a:latin typeface="+mn-lt"/>
+                <a:ea typeface="+mn-ea"/>
+                <a:cs typeface="+mn-cs"/>
+              </a:defRPr>
+            </a:lvl3pPr>
+            <a:lvl4pPr marL="1600200" indent="-228600" algn="l" defTabSz="914400" rtl="0" eaLnBrk="1" latinLnBrk="1" hangingPunct="1">
+              <a:spcBef>
+                <a:spcPct val="20000"/>
+              </a:spcBef>
+              <a:buFont typeface="Arial" panose="020B0604020202020204" pitchFamily="34" charset="0"/>
+              <a:buChar char="–"/>
+              <a:defRPr sz="1600" kern="1200">
+                <a:solidFill>
+                  <a:schemeClr val="tx1"/>
+                </a:solidFill>
+                <a:latin typeface="+mn-lt"/>
+                <a:ea typeface="+mn-ea"/>
+                <a:cs typeface="+mn-cs"/>
+              </a:defRPr>
+            </a:lvl4pPr>
+            <a:lvl5pPr marL="2057400" indent="-228600" algn="l" defTabSz="914400" rtl="0" eaLnBrk="1" latinLnBrk="1" hangingPunct="1">
+              <a:spcBef>
+                <a:spcPct val="20000"/>
+              </a:spcBef>
+              <a:buFont typeface="Arial" panose="020B0604020202020204" pitchFamily="34" charset="0"/>
+              <a:buChar char="»"/>
+              <a:defRPr sz="1600" kern="1200">
+                <a:solidFill>
+                  <a:schemeClr val="tx1"/>
+                </a:solidFill>
+                <a:latin typeface="+mn-lt"/>
+                <a:ea typeface="+mn-ea"/>
+                <a:cs typeface="+mn-cs"/>
+              </a:defRPr>
+            </a:lvl5pPr>
+            <a:lvl6pPr marL="2514600" indent="-228600" algn="l" defTabSz="914400" rtl="0" eaLnBrk="1" latinLnBrk="1" hangingPunct="1">
+              <a:spcBef>
+                <a:spcPct val="20000"/>
+              </a:spcBef>
+              <a:buFont typeface="Arial" panose="020B0604020202020204" pitchFamily="34" charset="0"/>
+              <a:buChar char="•"/>
+              <a:defRPr sz="1600" kern="1200">
+                <a:solidFill>
+                  <a:schemeClr val="tx1"/>
+                </a:solidFill>
+                <a:latin typeface="+mn-lt"/>
+                <a:ea typeface="+mn-ea"/>
+                <a:cs typeface="+mn-cs"/>
+              </a:defRPr>
+            </a:lvl6pPr>
+            <a:lvl7pPr marL="2971800" indent="-228600" algn="l" defTabSz="914400" rtl="0" eaLnBrk="1" latinLnBrk="1" hangingPunct="1">
+              <a:spcBef>
+                <a:spcPct val="20000"/>
+              </a:spcBef>
+              <a:buFont typeface="Arial" panose="020B0604020202020204" pitchFamily="34" charset="0"/>
+              <a:buChar char="•"/>
+              <a:defRPr sz="1600" kern="1200">
+                <a:solidFill>
+                  <a:schemeClr val="tx1"/>
+                </a:solidFill>
+                <a:latin typeface="+mn-lt"/>
+                <a:ea typeface="+mn-ea"/>
+                <a:cs typeface="+mn-cs"/>
+              </a:defRPr>
+            </a:lvl7pPr>
+            <a:lvl8pPr marL="3429000" indent="-228600" algn="l" defTabSz="914400" rtl="0" eaLnBrk="1" latinLnBrk="1" hangingPunct="1">
+              <a:spcBef>
+                <a:spcPct val="20000"/>
+              </a:spcBef>
+              <a:buFont typeface="Arial" panose="020B0604020202020204" pitchFamily="34" charset="0"/>
+              <a:buChar char="•"/>
+              <a:defRPr sz="1600" kern="1200">
+                <a:solidFill>
+                  <a:schemeClr val="tx1"/>
+                </a:solidFill>
+                <a:latin typeface="+mn-lt"/>
+                <a:ea typeface="+mn-ea"/>
+                <a:cs typeface="+mn-cs"/>
+              </a:defRPr>
+            </a:lvl8pPr>
+            <a:lvl9pPr marL="3886200" indent="-228600" algn="l" defTabSz="914400" rtl="0" eaLnBrk="1" latinLnBrk="1" hangingPunct="1">
+              <a:spcBef>
+                <a:spcPct val="20000"/>
+              </a:spcBef>
+              <a:buFont typeface="Arial" panose="020B0604020202020204" pitchFamily="34" charset="0"/>
+              <a:buChar char="•"/>
+              <a:defRPr sz="1600" kern="1200">
+                <a:solidFill>
+                  <a:schemeClr val="tx1"/>
+                </a:solidFill>
+                <a:latin typeface="+mn-lt"/>
+                <a:ea typeface="+mn-ea"/>
+                <a:cs typeface="+mn-cs"/>
+              </a:defRPr>
+            </a:lvl9pPr>
+          </a:lstStyle>
+          <a:p>
+            <a:r>
+              <a:rPr lang="ko-KR" altLang="en-US" dirty="0" smtClean="0"/>
+              <a:t>출처 </a:t>
+            </a:r>
+            <a:r>
+              <a:rPr lang="en-US" altLang="ko-KR" dirty="0" smtClean="0"/>
+              <a:t>: </a:t>
+            </a:r>
+            <a:r>
+              <a:rPr lang="en-US" altLang="ko-KR" dirty="0">
+                <a:hlinkClick r:id="rId3"/>
+              </a:rPr>
+              <a:t>https://connect.bim360.autodesk.com/what-is-machine-learning-in-construction</a:t>
+            </a:r>
+            <a:endParaRPr lang="ko-KR" altLang="en-US" dirty="0"/>
+          </a:p>
+        </p:txBody>
+      </p:sp>
+      <p:pic>
+        <p:nvPicPr>
+          <p:cNvPr id="2050" name="Picture 2"/>
+          <p:cNvPicPr>
+            <a:picLocks noGrp="1" noChangeAspect="1" noChangeArrowheads="1"/>
+          </p:cNvPicPr>
+          <p:nvPr>
+            <p:ph sz="half" idx="2"/>
+          </p:nvPr>
+        </p:nvPicPr>
+        <p:blipFill>
+          <a:blip r:embed="rId4" cstate="print">
+            <a:extLst>
+              <a:ext uri="{28A0092B-C50C-407E-A947-70E740481C1C}">
+                <a14:useLocalDpi xmlns:a14="http://schemas.microsoft.com/office/drawing/2010/main" val="0"/>
+              </a:ext>
+            </a:extLst>
+          </a:blip>
+          <a:srcRect/>
+          <a:stretch>
+            <a:fillRect/>
+          </a:stretch>
+        </p:blipFill>
+        <p:spPr bwMode="auto">
+          <a:xfrm>
+            <a:off x="457200" y="3024375"/>
+            <a:ext cx="4040188" cy="2252288"/>
+          </a:xfrm>
+          <a:prstGeom prst="rect">
+            <a:avLst/>
+          </a:prstGeom>
+          <a:noFill/>
+          <a:ln>
+            <a:noFill/>
+          </a:ln>
+          <a:extLst>
+            <a:ext uri="{909E8E84-426E-40DD-AFC4-6F175D3DCCD1}">
+              <a14:hiddenFill xmlns:a14="http://schemas.microsoft.com/office/drawing/2010/main">
+                <a:solidFill>
+                  <a:schemeClr val="accent1"/>
+                </a:solidFill>
+              </a14:hiddenFill>
+            </a:ext>
+            <a:ext uri="{91240B29-F687-4F45-9708-019B960494DF}">
+              <a14:hiddenLine xmlns:a14="http://schemas.microsoft.com/office/drawing/2010/main" w="9525">
+                <a:solidFill>
+                  <a:schemeClr val="tx1"/>
+                </a:solidFill>
+                <a:miter lim="800000"/>
+                <a:headEnd/>
+                <a:tailEnd/>
+              </a14:hiddenLine>
+            </a:ext>
+          </a:extLst>
+        </p:spPr>
+      </p:pic>
+      <p:pic>
+        <p:nvPicPr>
+          <p:cNvPr id="2051" name="Picture 3"/>
+          <p:cNvPicPr>
+            <a:picLocks noGrp="1" noChangeAspect="1" noChangeArrowheads="1"/>
+          </p:cNvPicPr>
+          <p:nvPr>
+            <p:ph sz="quarter" idx="4"/>
+          </p:nvPr>
+        </p:nvPicPr>
+        <p:blipFill>
+          <a:blip r:embed="rId5">
+            <a:extLst>
+              <a:ext uri="{28A0092B-C50C-407E-A947-70E740481C1C}">
+                <a14:useLocalDpi xmlns:a14="http://schemas.microsoft.com/office/drawing/2010/main" val="0"/>
+              </a:ext>
+            </a:extLst>
+          </a:blip>
+          <a:srcRect/>
+          <a:stretch>
+            <a:fillRect/>
+          </a:stretch>
+        </p:blipFill>
+        <p:spPr bwMode="auto">
+          <a:xfrm>
+            <a:off x="4645025" y="3008403"/>
+            <a:ext cx="4041775" cy="2284232"/>
+          </a:xfrm>
+          <a:prstGeom prst="rect">
+            <a:avLst/>
+          </a:prstGeom>
+          <a:noFill/>
+          <a:ln>
+            <a:noFill/>
+          </a:ln>
+          <a:extLst>
+            <a:ext uri="{909E8E84-426E-40DD-AFC4-6F175D3DCCD1}">
+              <a14:hiddenFill xmlns:a14="http://schemas.microsoft.com/office/drawing/2010/main">
+                <a:solidFill>
+                  <a:schemeClr val="accent1"/>
+                </a:solidFill>
+              </a14:hiddenFill>
+            </a:ext>
+            <a:ext uri="{91240B29-F687-4F45-9708-019B960494DF}">
+              <a14:hiddenLine xmlns:a14="http://schemas.microsoft.com/office/drawing/2010/main" w="9525">
+                <a:solidFill>
+                  <a:schemeClr val="tx1"/>
+                </a:solidFill>
+                <a:miter lim="800000"/>
+                <a:headEnd/>
+                <a:tailEnd/>
+              </a14:hiddenLine>
+            </a:ext>
+          </a:extLst>
+        </p:spPr>
+      </p:pic>
+    </p:spTree>
+    <p:extLst>
+      <p:ext uri="{BB962C8B-B14F-4D97-AF65-F5344CB8AC3E}">
+        <p14:creationId xmlns:p14="http://schemas.microsoft.com/office/powerpoint/2010/main" val="363428509"/>
+      </p:ext>
+    </p:extLst>
+  </p:cSld>
+  <p:clrMapOvr>
+    <a:masterClrMapping/>
+  </p:clrMapOvr>
+</p:sld>
+</file>
+
+<file path=ppt/slides/slide12.xml><?xml version="1.0" encoding="utf-8"?>
+<p:sld xmlns:a="http://schemas.openxmlformats.org/drawingml/2006/main" xmlns:r="http://schemas.openxmlformats.org/officeDocument/2006/relationships" xmlns:p="http://schemas.openxmlformats.org/presentationml/2006/main">
+  <p:cSld>
+    <p:spTree>
+      <p:nvGrpSpPr>
+        <p:cNvPr id="1" name=""/>
+        <p:cNvGrpSpPr/>
+        <p:nvPr/>
+      </p:nvGrpSpPr>
+      <p:grpSpPr>
+        <a:xfrm>
+          <a:off x="0" y="0"/>
+          <a:ext cx="0" cy="0"/>
+          <a:chOff x="0" y="0"/>
+          <a:chExt cx="0" cy="0"/>
+        </a:xfrm>
+      </p:grpSpPr>
+      <p:sp>
+        <p:nvSpPr>
+          <p:cNvPr id="2" name="제목 1"/>
+          <p:cNvSpPr>
+            <a:spLocks noGrp="1"/>
+          </p:cNvSpPr>
+          <p:nvPr>
+            <p:ph type="title"/>
+          </p:nvPr>
+        </p:nvSpPr>
+        <p:spPr/>
+        <p:txBody>
+          <a:bodyPr/>
+          <a:lstStyle/>
+          <a:p>
+            <a:r>
+              <a:rPr lang="ko-KR" altLang="en-US" dirty="0" smtClean="0"/>
+              <a:t>데이터분석</a:t>
+            </a:r>
+            <a:endParaRPr lang="ko-KR" altLang="en-US" dirty="0"/>
+          </a:p>
+        </p:txBody>
+      </p:sp>
+      <p:sp>
+        <p:nvSpPr>
+          <p:cNvPr id="3" name="텍스트 개체 틀 2"/>
+          <p:cNvSpPr>
+            <a:spLocks noGrp="1"/>
+          </p:cNvSpPr>
+          <p:nvPr>
+            <p:ph type="body" idx="1"/>
+          </p:nvPr>
+        </p:nvSpPr>
+        <p:spPr/>
+        <p:txBody>
+          <a:bodyPr/>
+          <a:lstStyle/>
+          <a:p>
+            <a:r>
+              <a:rPr lang="en-US" altLang="ko-KR" dirty="0"/>
+              <a:t>V</a:t>
+            </a:r>
+            <a:r>
+              <a:rPr lang="en-US" altLang="ko-KR" dirty="0" smtClean="0"/>
+              <a:t>isualization</a:t>
+            </a:r>
+            <a:endParaRPr lang="ko-KR" altLang="en-US" dirty="0"/>
+          </a:p>
+        </p:txBody>
+      </p:sp>
+      <p:sp>
+        <p:nvSpPr>
+          <p:cNvPr id="5" name="텍스트 개체 틀 4"/>
+          <p:cNvSpPr>
+            <a:spLocks noGrp="1"/>
+          </p:cNvSpPr>
+          <p:nvPr>
+            <p:ph type="body" sz="quarter" idx="3"/>
+          </p:nvPr>
+        </p:nvSpPr>
+        <p:spPr/>
+        <p:txBody>
+          <a:bodyPr/>
+          <a:lstStyle/>
+          <a:p>
+            <a:r>
+              <a:rPr lang="en-US" altLang="ko-KR" dirty="0"/>
+              <a:t>Policy </a:t>
+            </a:r>
+            <a:r>
+              <a:rPr lang="en-US" altLang="ko-KR" dirty="0" smtClean="0"/>
+              <a:t>Proposal</a:t>
+            </a:r>
+            <a:endParaRPr lang="ko-KR" altLang="en-US" dirty="0"/>
+          </a:p>
+        </p:txBody>
+      </p:sp>
+      <p:sp>
+        <p:nvSpPr>
+          <p:cNvPr id="7" name="내용 개체 틀 3"/>
+          <p:cNvSpPr txBox="1">
+            <a:spLocks/>
+          </p:cNvSpPr>
+          <p:nvPr/>
+        </p:nvSpPr>
+        <p:spPr>
+          <a:xfrm>
+            <a:off x="467544" y="5445224"/>
+            <a:ext cx="3960440" cy="648072"/>
+          </a:xfrm>
+          <a:prstGeom prst="rect">
+            <a:avLst/>
+          </a:prstGeom>
+        </p:spPr>
+        <p:txBody>
+          <a:bodyPr vert="horz" lIns="91440" tIns="45720" rIns="91440" bIns="45720" rtlCol="0">
+            <a:normAutofit fontScale="62500" lnSpcReduction="20000"/>
+          </a:bodyPr>
+          <a:lstStyle>
+            <a:lvl1pPr marL="342900" indent="-342900" algn="l" defTabSz="914400" rtl="0" eaLnBrk="1" latinLnBrk="1" hangingPunct="1">
+              <a:spcBef>
+                <a:spcPct val="20000"/>
+              </a:spcBef>
+              <a:buFont typeface="Arial" panose="020B0604020202020204" pitchFamily="34" charset="0"/>
+              <a:buChar char="•"/>
+              <a:defRPr sz="2400" kern="1200">
+                <a:solidFill>
+                  <a:schemeClr val="tx1"/>
+                </a:solidFill>
+                <a:latin typeface="+mn-lt"/>
+                <a:ea typeface="+mn-ea"/>
+                <a:cs typeface="+mn-cs"/>
+              </a:defRPr>
+            </a:lvl1pPr>
+            <a:lvl2pPr marL="742950" indent="-285750" algn="l" defTabSz="914400" rtl="0" eaLnBrk="1" latinLnBrk="1" hangingPunct="1">
+              <a:spcBef>
+                <a:spcPct val="20000"/>
+              </a:spcBef>
+              <a:buFont typeface="Arial" panose="020B0604020202020204" pitchFamily="34" charset="0"/>
+              <a:buChar char="–"/>
+              <a:defRPr sz="2000" kern="1200">
+                <a:solidFill>
+                  <a:schemeClr val="tx1"/>
+                </a:solidFill>
+                <a:latin typeface="+mn-lt"/>
+                <a:ea typeface="+mn-ea"/>
+                <a:cs typeface="+mn-cs"/>
+              </a:defRPr>
+            </a:lvl2pPr>
+            <a:lvl3pPr marL="1143000" indent="-228600" algn="l" defTabSz="914400" rtl="0" eaLnBrk="1" latinLnBrk="1" hangingPunct="1">
+              <a:spcBef>
+                <a:spcPct val="20000"/>
+              </a:spcBef>
+              <a:buFont typeface="Arial" panose="020B0604020202020204" pitchFamily="34" charset="0"/>
+              <a:buChar char="•"/>
+              <a:defRPr sz="1800" kern="1200">
+                <a:solidFill>
+                  <a:schemeClr val="tx1"/>
+                </a:solidFill>
+                <a:latin typeface="+mn-lt"/>
+                <a:ea typeface="+mn-ea"/>
+                <a:cs typeface="+mn-cs"/>
+              </a:defRPr>
+            </a:lvl3pPr>
+            <a:lvl4pPr marL="1600200" indent="-228600" algn="l" defTabSz="914400" rtl="0" eaLnBrk="1" latinLnBrk="1" hangingPunct="1">
+              <a:spcBef>
+                <a:spcPct val="20000"/>
+              </a:spcBef>
+              <a:buFont typeface="Arial" panose="020B0604020202020204" pitchFamily="34" charset="0"/>
+              <a:buChar char="–"/>
+              <a:defRPr sz="1600" kern="1200">
+                <a:solidFill>
+                  <a:schemeClr val="tx1"/>
+                </a:solidFill>
+                <a:latin typeface="+mn-lt"/>
+                <a:ea typeface="+mn-ea"/>
+                <a:cs typeface="+mn-cs"/>
+              </a:defRPr>
+            </a:lvl4pPr>
+            <a:lvl5pPr marL="2057400" indent="-228600" algn="l" defTabSz="914400" rtl="0" eaLnBrk="1" latinLnBrk="1" hangingPunct="1">
+              <a:spcBef>
+                <a:spcPct val="20000"/>
+              </a:spcBef>
+              <a:buFont typeface="Arial" panose="020B0604020202020204" pitchFamily="34" charset="0"/>
+              <a:buChar char="»"/>
+              <a:defRPr sz="1600" kern="1200">
+                <a:solidFill>
+                  <a:schemeClr val="tx1"/>
+                </a:solidFill>
+                <a:latin typeface="+mn-lt"/>
+                <a:ea typeface="+mn-ea"/>
+                <a:cs typeface="+mn-cs"/>
+              </a:defRPr>
+            </a:lvl5pPr>
+            <a:lvl6pPr marL="2514600" indent="-228600" algn="l" defTabSz="914400" rtl="0" eaLnBrk="1" latinLnBrk="1" hangingPunct="1">
+              <a:spcBef>
+                <a:spcPct val="20000"/>
+              </a:spcBef>
+              <a:buFont typeface="Arial" panose="020B0604020202020204" pitchFamily="34" charset="0"/>
+              <a:buChar char="•"/>
+              <a:defRPr sz="1600" kern="1200">
+                <a:solidFill>
+                  <a:schemeClr val="tx1"/>
+                </a:solidFill>
+                <a:latin typeface="+mn-lt"/>
+                <a:ea typeface="+mn-ea"/>
+                <a:cs typeface="+mn-cs"/>
+              </a:defRPr>
+            </a:lvl6pPr>
+            <a:lvl7pPr marL="2971800" indent="-228600" algn="l" defTabSz="914400" rtl="0" eaLnBrk="1" latinLnBrk="1" hangingPunct="1">
+              <a:spcBef>
+                <a:spcPct val="20000"/>
+              </a:spcBef>
+              <a:buFont typeface="Arial" panose="020B0604020202020204" pitchFamily="34" charset="0"/>
+              <a:buChar char="•"/>
+              <a:defRPr sz="1600" kern="1200">
+                <a:solidFill>
+                  <a:schemeClr val="tx1"/>
+                </a:solidFill>
+                <a:latin typeface="+mn-lt"/>
+                <a:ea typeface="+mn-ea"/>
+                <a:cs typeface="+mn-cs"/>
+              </a:defRPr>
+            </a:lvl7pPr>
+            <a:lvl8pPr marL="3429000" indent="-228600" algn="l" defTabSz="914400" rtl="0" eaLnBrk="1" latinLnBrk="1" hangingPunct="1">
+              <a:spcBef>
+                <a:spcPct val="20000"/>
+              </a:spcBef>
+              <a:buFont typeface="Arial" panose="020B0604020202020204" pitchFamily="34" charset="0"/>
+              <a:buChar char="•"/>
+              <a:defRPr sz="1600" kern="1200">
+                <a:solidFill>
+                  <a:schemeClr val="tx1"/>
+                </a:solidFill>
+                <a:latin typeface="+mn-lt"/>
+                <a:ea typeface="+mn-ea"/>
+                <a:cs typeface="+mn-cs"/>
+              </a:defRPr>
+            </a:lvl8pPr>
+            <a:lvl9pPr marL="3886200" indent="-228600" algn="l" defTabSz="914400" rtl="0" eaLnBrk="1" latinLnBrk="1" hangingPunct="1">
+              <a:spcBef>
+                <a:spcPct val="20000"/>
+              </a:spcBef>
+              <a:buFont typeface="Arial" panose="020B0604020202020204" pitchFamily="34" charset="0"/>
+              <a:buChar char="•"/>
+              <a:defRPr sz="1600" kern="1200">
+                <a:solidFill>
+                  <a:schemeClr val="tx1"/>
+                </a:solidFill>
+                <a:latin typeface="+mn-lt"/>
+                <a:ea typeface="+mn-ea"/>
+                <a:cs typeface="+mn-cs"/>
+              </a:defRPr>
+            </a:lvl9pPr>
+          </a:lstStyle>
+          <a:p>
+            <a:r>
+              <a:rPr lang="ko-KR" altLang="en-US" dirty="0" smtClean="0"/>
+              <a:t>출처 </a:t>
+            </a:r>
+            <a:r>
+              <a:rPr lang="en-US" altLang="ko-KR" dirty="0" smtClean="0"/>
+              <a:t>: </a:t>
+            </a:r>
+            <a:r>
+              <a:rPr lang="en-US" altLang="ko-KR" dirty="0">
+                <a:hlinkClick r:id="rId2"/>
+              </a:rPr>
+              <a:t>https://www.visualcinnamon.com/2017/03/my-journey-into-dataviz</a:t>
+            </a:r>
+            <a:r>
+              <a:rPr lang="en-US" altLang="ko-KR" dirty="0" smtClean="0"/>
+              <a:t> </a:t>
+            </a:r>
+            <a:endParaRPr lang="ko-KR" altLang="en-US" dirty="0"/>
+          </a:p>
+        </p:txBody>
+      </p:sp>
+      <p:sp>
+        <p:nvSpPr>
+          <p:cNvPr id="8" name="내용 개체 틀 3"/>
+          <p:cNvSpPr txBox="1">
+            <a:spLocks/>
+          </p:cNvSpPr>
+          <p:nvPr/>
+        </p:nvSpPr>
+        <p:spPr>
+          <a:xfrm>
+            <a:off x="4644008" y="5517232"/>
+            <a:ext cx="3960440" cy="648072"/>
+          </a:xfrm>
+          <a:prstGeom prst="rect">
+            <a:avLst/>
+          </a:prstGeom>
+        </p:spPr>
+        <p:txBody>
+          <a:bodyPr vert="horz" lIns="91440" tIns="45720" rIns="91440" bIns="45720" rtlCol="0">
+            <a:normAutofit fontScale="55000" lnSpcReduction="20000"/>
+          </a:bodyPr>
+          <a:lstStyle>
+            <a:lvl1pPr marL="342900" indent="-342900" algn="l" defTabSz="914400" rtl="0" eaLnBrk="1" latinLnBrk="1" hangingPunct="1">
+              <a:spcBef>
+                <a:spcPct val="20000"/>
+              </a:spcBef>
+              <a:buFont typeface="Arial" panose="020B0604020202020204" pitchFamily="34" charset="0"/>
+              <a:buChar char="•"/>
+              <a:defRPr sz="2400" kern="1200">
+                <a:solidFill>
+                  <a:schemeClr val="tx1"/>
+                </a:solidFill>
+                <a:latin typeface="+mn-lt"/>
+                <a:ea typeface="+mn-ea"/>
+                <a:cs typeface="+mn-cs"/>
+              </a:defRPr>
+            </a:lvl1pPr>
+            <a:lvl2pPr marL="742950" indent="-285750" algn="l" defTabSz="914400" rtl="0" eaLnBrk="1" latinLnBrk="1" hangingPunct="1">
+              <a:spcBef>
+                <a:spcPct val="20000"/>
+              </a:spcBef>
+              <a:buFont typeface="Arial" panose="020B0604020202020204" pitchFamily="34" charset="0"/>
+              <a:buChar char="–"/>
+              <a:defRPr sz="2000" kern="1200">
+                <a:solidFill>
+                  <a:schemeClr val="tx1"/>
+                </a:solidFill>
+                <a:latin typeface="+mn-lt"/>
+                <a:ea typeface="+mn-ea"/>
+                <a:cs typeface="+mn-cs"/>
+              </a:defRPr>
+            </a:lvl2pPr>
+            <a:lvl3pPr marL="1143000" indent="-228600" algn="l" defTabSz="914400" rtl="0" eaLnBrk="1" latinLnBrk="1" hangingPunct="1">
+              <a:spcBef>
+                <a:spcPct val="20000"/>
+              </a:spcBef>
+              <a:buFont typeface="Arial" panose="020B0604020202020204" pitchFamily="34" charset="0"/>
+              <a:buChar char="•"/>
+              <a:defRPr sz="1800" kern="1200">
+                <a:solidFill>
+                  <a:schemeClr val="tx1"/>
+                </a:solidFill>
+                <a:latin typeface="+mn-lt"/>
+                <a:ea typeface="+mn-ea"/>
+                <a:cs typeface="+mn-cs"/>
+              </a:defRPr>
+            </a:lvl3pPr>
+            <a:lvl4pPr marL="1600200" indent="-228600" algn="l" defTabSz="914400" rtl="0" eaLnBrk="1" latinLnBrk="1" hangingPunct="1">
+              <a:spcBef>
+                <a:spcPct val="20000"/>
+              </a:spcBef>
+              <a:buFont typeface="Arial" panose="020B0604020202020204" pitchFamily="34" charset="0"/>
+              <a:buChar char="–"/>
+              <a:defRPr sz="1600" kern="1200">
+                <a:solidFill>
+                  <a:schemeClr val="tx1"/>
+                </a:solidFill>
+                <a:latin typeface="+mn-lt"/>
+                <a:ea typeface="+mn-ea"/>
+                <a:cs typeface="+mn-cs"/>
+              </a:defRPr>
+            </a:lvl4pPr>
+            <a:lvl5pPr marL="2057400" indent="-228600" algn="l" defTabSz="914400" rtl="0" eaLnBrk="1" latinLnBrk="1" hangingPunct="1">
+              <a:spcBef>
+                <a:spcPct val="20000"/>
+              </a:spcBef>
+              <a:buFont typeface="Arial" panose="020B0604020202020204" pitchFamily="34" charset="0"/>
+              <a:buChar char="»"/>
+              <a:defRPr sz="1600" kern="1200">
+                <a:solidFill>
+                  <a:schemeClr val="tx1"/>
+                </a:solidFill>
+                <a:latin typeface="+mn-lt"/>
+                <a:ea typeface="+mn-ea"/>
+                <a:cs typeface="+mn-cs"/>
+              </a:defRPr>
+            </a:lvl5pPr>
+            <a:lvl6pPr marL="2514600" indent="-228600" algn="l" defTabSz="914400" rtl="0" eaLnBrk="1" latinLnBrk="1" hangingPunct="1">
+              <a:spcBef>
+                <a:spcPct val="20000"/>
+              </a:spcBef>
+              <a:buFont typeface="Arial" panose="020B0604020202020204" pitchFamily="34" charset="0"/>
+              <a:buChar char="•"/>
+              <a:defRPr sz="1600" kern="1200">
+                <a:solidFill>
+                  <a:schemeClr val="tx1"/>
+                </a:solidFill>
+                <a:latin typeface="+mn-lt"/>
+                <a:ea typeface="+mn-ea"/>
+                <a:cs typeface="+mn-cs"/>
+              </a:defRPr>
+            </a:lvl6pPr>
+            <a:lvl7pPr marL="2971800" indent="-228600" algn="l" defTabSz="914400" rtl="0" eaLnBrk="1" latinLnBrk="1" hangingPunct="1">
+              <a:spcBef>
+                <a:spcPct val="20000"/>
+              </a:spcBef>
+              <a:buFont typeface="Arial" panose="020B0604020202020204" pitchFamily="34" charset="0"/>
+              <a:buChar char="•"/>
+              <a:defRPr sz="1600" kern="1200">
+                <a:solidFill>
+                  <a:schemeClr val="tx1"/>
+                </a:solidFill>
+                <a:latin typeface="+mn-lt"/>
+                <a:ea typeface="+mn-ea"/>
+                <a:cs typeface="+mn-cs"/>
+              </a:defRPr>
+            </a:lvl7pPr>
+            <a:lvl8pPr marL="3429000" indent="-228600" algn="l" defTabSz="914400" rtl="0" eaLnBrk="1" latinLnBrk="1" hangingPunct="1">
+              <a:spcBef>
+                <a:spcPct val="20000"/>
+              </a:spcBef>
+              <a:buFont typeface="Arial" panose="020B0604020202020204" pitchFamily="34" charset="0"/>
+              <a:buChar char="•"/>
+              <a:defRPr sz="1600" kern="1200">
+                <a:solidFill>
+                  <a:schemeClr val="tx1"/>
+                </a:solidFill>
+                <a:latin typeface="+mn-lt"/>
+                <a:ea typeface="+mn-ea"/>
+                <a:cs typeface="+mn-cs"/>
+              </a:defRPr>
+            </a:lvl8pPr>
+            <a:lvl9pPr marL="3886200" indent="-228600" algn="l" defTabSz="914400" rtl="0" eaLnBrk="1" latinLnBrk="1" hangingPunct="1">
+              <a:spcBef>
+                <a:spcPct val="20000"/>
+              </a:spcBef>
+              <a:buFont typeface="Arial" panose="020B0604020202020204" pitchFamily="34" charset="0"/>
+              <a:buChar char="•"/>
+              <a:defRPr sz="1600" kern="1200">
+                <a:solidFill>
+                  <a:schemeClr val="tx1"/>
+                </a:solidFill>
+                <a:latin typeface="+mn-lt"/>
+                <a:ea typeface="+mn-ea"/>
+                <a:cs typeface="+mn-cs"/>
+              </a:defRPr>
+            </a:lvl9pPr>
+          </a:lstStyle>
+          <a:p>
+            <a:r>
+              <a:rPr lang="ko-KR" altLang="en-US" dirty="0" smtClean="0"/>
+              <a:t>출처 </a:t>
+            </a:r>
+            <a:r>
+              <a:rPr lang="en-US" altLang="ko-KR" dirty="0" smtClean="0"/>
+              <a:t>: </a:t>
+            </a:r>
+            <a:r>
+              <a:rPr lang="en-US" altLang="ko-KR" dirty="0">
+                <a:hlinkClick r:id="rId3"/>
+              </a:rPr>
+              <a:t>https://nouse.co.uk/2019/03/05/policy-proposal-for-mens-network-met-with-controversy</a:t>
+            </a:r>
+            <a:r>
+              <a:rPr lang="en-US" altLang="ko-KR" dirty="0" smtClean="0"/>
+              <a:t>  </a:t>
+            </a:r>
+            <a:endParaRPr lang="ko-KR" altLang="en-US" dirty="0"/>
+          </a:p>
+        </p:txBody>
+      </p:sp>
+      <p:pic>
+        <p:nvPicPr>
+          <p:cNvPr id="3074" name="Picture 2"/>
+          <p:cNvPicPr>
+            <a:picLocks noGrp="1" noChangeAspect="1" noChangeArrowheads="1"/>
+          </p:cNvPicPr>
+          <p:nvPr>
+            <p:ph sz="half" idx="2"/>
+          </p:nvPr>
+        </p:nvPicPr>
+        <p:blipFill>
+          <a:blip r:embed="rId4" cstate="print">
+            <a:extLst>
+              <a:ext uri="{28A0092B-C50C-407E-A947-70E740481C1C}">
+                <a14:useLocalDpi xmlns:a14="http://schemas.microsoft.com/office/drawing/2010/main" val="0"/>
+              </a:ext>
+            </a:extLst>
+          </a:blip>
+          <a:srcRect/>
+          <a:stretch>
+            <a:fillRect/>
+          </a:stretch>
+        </p:blipFill>
+        <p:spPr bwMode="auto">
+          <a:xfrm>
+            <a:off x="457200" y="3000447"/>
+            <a:ext cx="4040188" cy="2300144"/>
+          </a:xfrm>
+          <a:prstGeom prst="rect">
+            <a:avLst/>
+          </a:prstGeom>
+          <a:noFill/>
+          <a:ln>
+            <a:noFill/>
+          </a:ln>
+          <a:extLst>
+            <a:ext uri="{909E8E84-426E-40DD-AFC4-6F175D3DCCD1}">
+              <a14:hiddenFill xmlns:a14="http://schemas.microsoft.com/office/drawing/2010/main">
+                <a:solidFill>
+                  <a:schemeClr val="accent1"/>
+                </a:solidFill>
+              </a14:hiddenFill>
+            </a:ext>
+            <a:ext uri="{91240B29-F687-4F45-9708-019B960494DF}">
+              <a14:hiddenLine xmlns:a14="http://schemas.microsoft.com/office/drawing/2010/main" w="9525">
+                <a:solidFill>
+                  <a:schemeClr val="tx1"/>
+                </a:solidFill>
+                <a:miter lim="800000"/>
+                <a:headEnd/>
+                <a:tailEnd/>
+              </a14:hiddenLine>
+            </a:ext>
+          </a:extLst>
+        </p:spPr>
+      </p:pic>
+      <p:pic>
+        <p:nvPicPr>
+          <p:cNvPr id="3075" name="Picture 3"/>
+          <p:cNvPicPr>
+            <a:picLocks noGrp="1" noChangeAspect="1" noChangeArrowheads="1"/>
+          </p:cNvPicPr>
+          <p:nvPr>
+            <p:ph sz="quarter" idx="4"/>
+          </p:nvPr>
+        </p:nvPicPr>
+        <p:blipFill>
+          <a:blip r:embed="rId5">
+            <a:extLst>
+              <a:ext uri="{28A0092B-C50C-407E-A947-70E740481C1C}">
+                <a14:useLocalDpi xmlns:a14="http://schemas.microsoft.com/office/drawing/2010/main" val="0"/>
+              </a:ext>
+            </a:extLst>
+          </a:blip>
+          <a:srcRect/>
+          <a:stretch>
+            <a:fillRect/>
+          </a:stretch>
+        </p:blipFill>
+        <p:spPr bwMode="auto">
+          <a:xfrm>
+            <a:off x="4645025" y="2787387"/>
+            <a:ext cx="4041775" cy="2726263"/>
+          </a:xfrm>
+          <a:prstGeom prst="rect">
+            <a:avLst/>
+          </a:prstGeom>
+          <a:noFill/>
+          <a:ln>
+            <a:noFill/>
+          </a:ln>
+          <a:extLst>
+            <a:ext uri="{909E8E84-426E-40DD-AFC4-6F175D3DCCD1}">
+              <a14:hiddenFill xmlns:a14="http://schemas.microsoft.com/office/drawing/2010/main">
+                <a:solidFill>
+                  <a:schemeClr val="accent1"/>
+                </a:solidFill>
+              </a14:hiddenFill>
+            </a:ext>
+            <a:ext uri="{91240B29-F687-4F45-9708-019B960494DF}">
+              <a14:hiddenLine xmlns:a14="http://schemas.microsoft.com/office/drawing/2010/main" w="9525">
+                <a:solidFill>
+                  <a:schemeClr val="tx1"/>
+                </a:solidFill>
+                <a:miter lim="800000"/>
+                <a:headEnd/>
+                <a:tailEnd/>
+              </a14:hiddenLine>
+            </a:ext>
+          </a:extLst>
+        </p:spPr>
+      </p:pic>
+    </p:spTree>
+    <p:extLst>
+      <p:ext uri="{BB962C8B-B14F-4D97-AF65-F5344CB8AC3E}">
+        <p14:creationId xmlns:p14="http://schemas.microsoft.com/office/powerpoint/2010/main" val="760026576"/>
+      </p:ext>
+    </p:extLst>
+  </p:cSld>
+  <p:clrMapOvr>
+    <a:masterClrMapping/>
+  </p:clrMapOvr>
 </p:sld>
 </file>
 
@@ -4116,7 +5857,27 @@
           <a:p>
             <a:r>
               <a:rPr lang="ko-KR" altLang="en-US" dirty="0" smtClean="0"/>
-              <a:t> </a:t>
+              <a:t>공공데이터포털</a:t>
+            </a:r>
+            <a:r>
+              <a:rPr lang="en-US" altLang="ko-KR" dirty="0" smtClean="0"/>
+              <a:t>(</a:t>
+            </a:r>
+            <a:r>
+              <a:rPr lang="en-US" altLang="ko-KR" dirty="0">
+                <a:hlinkClick r:id="rId4"/>
+              </a:rPr>
+              <a:t>https://www.data.go.kr</a:t>
+            </a:r>
+            <a:r>
+              <a:rPr lang="en-US" altLang="ko-KR" dirty="0" smtClean="0">
+                <a:hlinkClick r:id="rId4"/>
+              </a:rPr>
+              <a:t>/</a:t>
+            </a:r>
+            <a:r>
+              <a:rPr lang="en-US" altLang="ko-KR" dirty="0" smtClean="0"/>
+              <a:t>)</a:t>
             </a:r>
             <a:endParaRPr lang="en-US" altLang="ko-KR" dirty="0" smtClean="0"/>
           </a:p>
@@ -4176,7 +5937,11 @@
           <a:p>
             <a:r>
               <a:rPr lang="ko-KR" altLang="en-US" dirty="0" smtClean="0"/>
-              <a:t>데이터분석</a:t>
+              <a:t>분석도구</a:t>
+            </a:r>
+            <a:r>
+              <a:rPr lang="en-US" altLang="ko-KR" dirty="0" smtClean="0"/>
+              <a:t>(tool)</a:t>
             </a:r>
             <a:endParaRPr lang="ko-KR" altLang="en-US" dirty="0"/>
           </a:p>
@@ -4184,12 +5949,12 @@
       </p:sp>
       <p:sp>
         <p:nvSpPr>
-          <p:cNvPr id="4" name="텍스트 개체 틀 3"/>
-          <p:cNvSpPr>
-            <a:spLocks noGrp="1"/>
-          </p:cNvSpPr>
-          <p:nvPr>
-            <p:ph type="body" idx="1"/>
+          <p:cNvPr id="3" name="내용 개체 틀 2"/>
+          <p:cNvSpPr>
+            <a:spLocks noGrp="1"/>
+          </p:cNvSpPr>
+          <p:nvPr>
+            <p:ph idx="1"/>
           </p:nvPr>
         </p:nvSpPr>
         <p:spPr/>
@@ -4197,84 +5962,150 @@
           <a:bodyPr/>
           <a:lstStyle/>
           <a:p>
-            <a:endParaRPr lang="ko-KR" altLang="en-US"/>
-          </a:p>
-        </p:txBody>
-      </p:sp>
-      <p:sp>
-        <p:nvSpPr>
-          <p:cNvPr id="5" name="내용 개체 틀 4"/>
-          <p:cNvSpPr>
-            <a:spLocks noGrp="1"/>
-          </p:cNvSpPr>
-          <p:nvPr>
-            <p:ph sz="half" idx="2"/>
-          </p:nvPr>
-        </p:nvSpPr>
-        <p:spPr/>
-        <p:txBody>
-          <a:bodyPr/>
-          <a:lstStyle/>
-          <a:p>
-            <a:endParaRPr lang="ko-KR" altLang="en-US"/>
-          </a:p>
-        </p:txBody>
-      </p:sp>
-      <p:sp>
-        <p:nvSpPr>
-          <p:cNvPr id="6" name="텍스트 개체 틀 5"/>
-          <p:cNvSpPr>
-            <a:spLocks noGrp="1"/>
-          </p:cNvSpPr>
-          <p:nvPr>
-            <p:ph type="body" sz="quarter" idx="3"/>
-          </p:nvPr>
-        </p:nvSpPr>
-        <p:spPr/>
-        <p:txBody>
-          <a:bodyPr/>
-          <a:lstStyle/>
-          <a:p>
-            <a:endParaRPr lang="ko-KR" altLang="en-US"/>
-          </a:p>
-        </p:txBody>
-      </p:sp>
-      <p:sp>
-        <p:nvSpPr>
-          <p:cNvPr id="7" name="내용 개체 틀 6"/>
-          <p:cNvSpPr>
-            <a:spLocks noGrp="1"/>
-          </p:cNvSpPr>
-          <p:nvPr>
-            <p:ph sz="quarter" idx="4"/>
-          </p:nvPr>
-        </p:nvSpPr>
-        <p:spPr/>
-        <p:txBody>
-          <a:bodyPr/>
-          <a:lstStyle/>
-          <a:p>
-            <a:endParaRPr lang="ko-KR" altLang="en-US"/>
+            <a:r>
+              <a:rPr lang="en-US" altLang="ko-KR" dirty="0" smtClean="0"/>
+              <a:t>Excel -&gt; </a:t>
+            </a:r>
+            <a:r>
+              <a:rPr lang="ko-KR" altLang="en-US" dirty="0" smtClean="0"/>
+              <a:t>데이터 전처리</a:t>
+            </a:r>
+            <a:endParaRPr lang="en-US" altLang="ko-KR" dirty="0" smtClean="0"/>
+          </a:p>
+          <a:p>
+            <a:r>
+              <a:rPr lang="en-US" altLang="ko-KR" dirty="0" smtClean="0"/>
+              <a:t>R(</a:t>
+            </a:r>
+            <a:r>
+              <a:rPr lang="en-US" altLang="ko-KR" dirty="0">
+                <a:hlinkClick r:id="rId2"/>
+              </a:rPr>
+              <a:t>https://www.r-project.org</a:t>
+            </a:r>
+            <a:r>
+              <a:rPr lang="en-US" altLang="ko-KR" dirty="0" smtClean="0">
+                <a:hlinkClick r:id="rId2"/>
+              </a:rPr>
+              <a:t>/</a:t>
+            </a:r>
+            <a:r>
+              <a:rPr lang="en-US" altLang="ko-KR" dirty="0" smtClean="0"/>
+              <a:t>) , </a:t>
+            </a:r>
+            <a:r>
+              <a:rPr lang="en-US" altLang="ko-KR" dirty="0" err="1" smtClean="0"/>
+              <a:t>Rstudio</a:t>
+            </a:r>
+            <a:r>
+              <a:rPr lang="en-US" altLang="ko-KR" dirty="0" smtClean="0"/>
+              <a:t>(</a:t>
+            </a:r>
+            <a:r>
+              <a:rPr lang="en-US" altLang="ko-KR" dirty="0">
+                <a:hlinkClick r:id="rId3"/>
+              </a:rPr>
+              <a:t>https://www.rstudio.com</a:t>
+            </a:r>
+            <a:r>
+              <a:rPr lang="en-US" altLang="ko-KR" dirty="0" smtClean="0">
+                <a:hlinkClick r:id="rId3"/>
+              </a:rPr>
+              <a:t>/</a:t>
+            </a:r>
+            <a:r>
+              <a:rPr lang="en-US" altLang="ko-KR" dirty="0" smtClean="0"/>
+              <a:t>) -&gt; </a:t>
+            </a:r>
+            <a:r>
+              <a:rPr lang="ko-KR" altLang="en-US" dirty="0" smtClean="0"/>
+              <a:t>데이터 전처리</a:t>
+            </a:r>
+            <a:r>
+              <a:rPr lang="en-US" altLang="ko-KR" dirty="0" smtClean="0"/>
+              <a:t>, </a:t>
+            </a:r>
+            <a:r>
+              <a:rPr lang="ko-KR" altLang="en-US" dirty="0" smtClean="0"/>
+              <a:t>통계분석</a:t>
+            </a:r>
+            <a:r>
+              <a:rPr lang="en-US" altLang="ko-KR" dirty="0" smtClean="0"/>
+              <a:t>, </a:t>
+            </a:r>
+            <a:r>
+              <a:rPr lang="ko-KR" altLang="en-US" dirty="0" smtClean="0"/>
+              <a:t>기계학습</a:t>
+            </a:r>
+            <a:r>
+              <a:rPr lang="en-US" altLang="ko-KR" dirty="0" smtClean="0"/>
+              <a:t>, </a:t>
+            </a:r>
+            <a:r>
+              <a:rPr lang="ko-KR" altLang="en-US" dirty="0" smtClean="0"/>
+              <a:t>시각화</a:t>
+            </a:r>
+            <a:endParaRPr lang="en-US" altLang="ko-KR" dirty="0" smtClean="0"/>
+          </a:p>
+          <a:p>
+            <a:r>
+              <a:rPr lang="en-US" altLang="ko-KR" dirty="0" smtClean="0"/>
+              <a:t>Python(</a:t>
+            </a:r>
+            <a:r>
+              <a:rPr lang="en-US" altLang="ko-KR" dirty="0">
+                <a:hlinkClick r:id="rId4"/>
+              </a:rPr>
+              <a:t>https://www.python.org/</a:t>
+            </a:r>
+            <a:r>
+              <a:rPr lang="en-US" altLang="ko-KR" dirty="0" smtClean="0">
+                <a:hlinkClick r:id="rId4"/>
+              </a:rPr>
+              <a:t>,https</a:t>
+            </a:r>
+            <a:r>
+              <a:rPr lang="en-US" altLang="ko-KR" dirty="0">
+                <a:hlinkClick r:id="rId4"/>
+              </a:rPr>
+              <a:t>://www.anaconda.com</a:t>
+            </a:r>
+            <a:r>
+              <a:rPr lang="en-US" altLang="ko-KR" dirty="0" smtClean="0">
+                <a:hlinkClick r:id="rId4"/>
+              </a:rPr>
+              <a:t>/</a:t>
+            </a:r>
+            <a:r>
+              <a:rPr lang="en-US" altLang="ko-KR" dirty="0" smtClean="0"/>
+              <a:t>) -&gt; </a:t>
+            </a:r>
+            <a:r>
+              <a:rPr lang="ko-KR" altLang="en-US" dirty="0" smtClean="0"/>
+              <a:t>데이터 전처리</a:t>
+            </a:r>
+            <a:r>
+              <a:rPr lang="en-US" altLang="ko-KR" dirty="0" smtClean="0"/>
+              <a:t>, </a:t>
+            </a:r>
+            <a:r>
+              <a:rPr lang="ko-KR" altLang="en-US" dirty="0" err="1" smtClean="0"/>
+              <a:t>딥러닝</a:t>
+            </a:r>
+            <a:endParaRPr lang="ko-KR" altLang="en-US" dirty="0"/>
           </a:p>
         </p:txBody>
       </p:sp>
     </p:spTree>
     <p:extLst>
       <p:ext uri="{BB962C8B-B14F-4D97-AF65-F5344CB8AC3E}">
-        <p14:creationId xmlns:p14="http://schemas.microsoft.com/office/powerpoint/2010/main" val="1621422526"/>
+        <p14:creationId xmlns:p14="http://schemas.microsoft.com/office/powerpoint/2010/main" val="511081747"/>
       </p:ext>
     </p:extLst>
   </p:cSld>
   <p:clrMapOvr>
     <a:masterClrMapping/>
   </p:clrMapOvr>
-  <p:timing>
-    <p:tnLst>
-      <p:par>
-        <p:cTn id="1" dur="indefinite" restart="never" nodeType="tmRoot"/>
-      </p:par>
-    </p:tnLst>
-  </p:timing>
 </p:sld>
 </file>
 
